--- a/03. CSS3 선택자 및 스타일 속성(1).pptx
+++ b/03. CSS3 선택자 및 스타일 속성(1).pptx
@@ -2846,21 +2846,21 @@
     </dgm:pt>
   </dgm:ptLst>
   <dgm:cxnLst>
+    <dgm:cxn modelId="{A6D07B6B-A6CD-48C4-8357-DE836E2090CB}" type="presOf" srcId="{525068F8-0D21-43A6-909D-62C95F2D021C}" destId="{94B5DD46-62AA-4C38-A038-292DA888DE48}" srcOrd="0" destOrd="0" presId="urn:microsoft.com/office/officeart/2005/8/layout/hierarchy1"/>
+    <dgm:cxn modelId="{3647374C-D82D-4B2D-B494-7FAFA0B2A455}" type="presOf" srcId="{597B1608-F5D6-4035-BC17-40F22FC92EFB}" destId="{45F6A07A-C1D1-45FD-906D-61FF13D55FCF}" srcOrd="0" destOrd="0" presId="urn:microsoft.com/office/officeart/2005/8/layout/hierarchy1"/>
+    <dgm:cxn modelId="{8B7C0CFC-E7CB-45C9-842B-31723C629442}" type="presOf" srcId="{F57D472A-4C20-4CF8-B1DD-117F5F0B8825}" destId="{C27CD5F5-BC6D-4E24-9804-F1917EF3F099}" srcOrd="0" destOrd="0" presId="urn:microsoft.com/office/officeart/2005/8/layout/hierarchy1"/>
+    <dgm:cxn modelId="{2A914608-0901-468C-AFA3-95A9B49CA59D}" srcId="{C6BC4FCA-E825-49E0-BED0-C74E595E3223}" destId="{2C06B8FD-FC79-4774-B59D-308B3B6E7AEE}" srcOrd="0" destOrd="0" parTransId="{C6A3E94F-D865-464D-A57B-8658F8CB57F8}" sibTransId="{090306A3-D1EB-4868-A35C-586F594FA360}"/>
+    <dgm:cxn modelId="{D7B9B746-E534-4468-971F-A384548C35BE}" srcId="{2C06B8FD-FC79-4774-B59D-308B3B6E7AEE}" destId="{1A2B490B-63B5-44A0-8421-F2EAB503815F}" srcOrd="2" destOrd="0" parTransId="{F57D472A-4C20-4CF8-B1DD-117F5F0B8825}" sibTransId="{2576F34E-4C7B-48CC-9DFC-00F8DB04294F}"/>
+    <dgm:cxn modelId="{ECD3ECFB-15E4-4D57-A7E9-41C5815606CF}" srcId="{2C06B8FD-FC79-4774-B59D-308B3B6E7AEE}" destId="{E0A7B6F5-9353-41E3-91BF-E2C824AC4AFD}" srcOrd="1" destOrd="0" parTransId="{597B1608-F5D6-4035-BC17-40F22FC92EFB}" sibTransId="{1E96A653-360C-4852-AF09-0ED9431E26C3}"/>
     <dgm:cxn modelId="{3BBFB12A-FAF5-40F1-B9C4-65DA7F2DEA03}" srcId="{2C06B8FD-FC79-4774-B59D-308B3B6E7AEE}" destId="{525068F8-0D21-43A6-909D-62C95F2D021C}" srcOrd="0" destOrd="0" parTransId="{DC7DF6AF-55BE-479E-8399-E7F72C69CA47}" sibTransId="{9B9AF44F-FA43-4D0D-8446-A0DD2DF83B4C}"/>
-    <dgm:cxn modelId="{ECD3ECFB-15E4-4D57-A7E9-41C5815606CF}" srcId="{2C06B8FD-FC79-4774-B59D-308B3B6E7AEE}" destId="{E0A7B6F5-9353-41E3-91BF-E2C824AC4AFD}" srcOrd="1" destOrd="0" parTransId="{597B1608-F5D6-4035-BC17-40F22FC92EFB}" sibTransId="{1E96A653-360C-4852-AF09-0ED9431E26C3}"/>
     <dgm:cxn modelId="{B8C27082-701B-41F1-A938-505C87DB8C42}" srcId="{78A2BECA-AD24-4727-BAB2-4C2ACFF283AA}" destId="{C6BC4FCA-E825-49E0-BED0-C74E595E3223}" srcOrd="0" destOrd="0" parTransId="{1A91BCD7-504F-4A82-95D5-87A6553CBA13}" sibTransId="{BF357996-02A2-4E0F-A518-F3F018B4A189}"/>
-    <dgm:cxn modelId="{D7B9B746-E534-4468-971F-A384548C35BE}" srcId="{2C06B8FD-FC79-4774-B59D-308B3B6E7AEE}" destId="{1A2B490B-63B5-44A0-8421-F2EAB503815F}" srcOrd="2" destOrd="0" parTransId="{F57D472A-4C20-4CF8-B1DD-117F5F0B8825}" sibTransId="{2576F34E-4C7B-48CC-9DFC-00F8DB04294F}"/>
+    <dgm:cxn modelId="{97E14E70-FE31-4100-B00F-B0758B4D92B3}" type="presOf" srcId="{C6A3E94F-D865-464D-A57B-8658F8CB57F8}" destId="{88F22BAD-B4DF-4CAF-AED7-C0421763551F}" srcOrd="0" destOrd="0" presId="urn:microsoft.com/office/officeart/2005/8/layout/hierarchy1"/>
+    <dgm:cxn modelId="{A972E0D9-39F9-4B89-8726-89D6CB35CA27}" type="presOf" srcId="{DC7DF6AF-55BE-479E-8399-E7F72C69CA47}" destId="{BD250145-3276-406D-A965-7A3E1332952C}" srcOrd="0" destOrd="0" presId="urn:microsoft.com/office/officeart/2005/8/layout/hierarchy1"/>
     <dgm:cxn modelId="{2A273295-BEAD-4BBE-93D5-FAF3D8E02C7D}" type="presOf" srcId="{C6BC4FCA-E825-49E0-BED0-C74E595E3223}" destId="{BAADD8F6-7F41-4FE6-B489-3E1E5D31285C}" srcOrd="0" destOrd="0" presId="urn:microsoft.com/office/officeart/2005/8/layout/hierarchy1"/>
+    <dgm:cxn modelId="{7A98E626-3DFA-43B3-9403-0DC471D3E7E5}" type="presOf" srcId="{78A2BECA-AD24-4727-BAB2-4C2ACFF283AA}" destId="{36C9122C-66DC-4335-9DD9-024DCFC2A41D}" srcOrd="0" destOrd="0" presId="urn:microsoft.com/office/officeart/2005/8/layout/hierarchy1"/>
     <dgm:cxn modelId="{C5B9FA0E-5DEE-42B6-8808-A989E1CAFF30}" type="presOf" srcId="{1A2B490B-63B5-44A0-8421-F2EAB503815F}" destId="{C3F276E3-01EF-4F40-9FAE-2D4626A44E52}" srcOrd="0" destOrd="0" presId="urn:microsoft.com/office/officeart/2005/8/layout/hierarchy1"/>
-    <dgm:cxn modelId="{A6D07B6B-A6CD-48C4-8357-DE836E2090CB}" type="presOf" srcId="{525068F8-0D21-43A6-909D-62C95F2D021C}" destId="{94B5DD46-62AA-4C38-A038-292DA888DE48}" srcOrd="0" destOrd="0" presId="urn:microsoft.com/office/officeart/2005/8/layout/hierarchy1"/>
     <dgm:cxn modelId="{C49C02B6-7327-4E3E-BEF0-47490430D99F}" type="presOf" srcId="{2C06B8FD-FC79-4774-B59D-308B3B6E7AEE}" destId="{45AF881F-1571-4AD5-B96F-E4DCA57495A8}" srcOrd="0" destOrd="0" presId="urn:microsoft.com/office/officeart/2005/8/layout/hierarchy1"/>
-    <dgm:cxn modelId="{3647374C-D82D-4B2D-B494-7FAFA0B2A455}" type="presOf" srcId="{597B1608-F5D6-4035-BC17-40F22FC92EFB}" destId="{45F6A07A-C1D1-45FD-906D-61FF13D55FCF}" srcOrd="0" destOrd="0" presId="urn:microsoft.com/office/officeart/2005/8/layout/hierarchy1"/>
-    <dgm:cxn modelId="{A972E0D9-39F9-4B89-8726-89D6CB35CA27}" type="presOf" srcId="{DC7DF6AF-55BE-479E-8399-E7F72C69CA47}" destId="{BD250145-3276-406D-A965-7A3E1332952C}" srcOrd="0" destOrd="0" presId="urn:microsoft.com/office/officeart/2005/8/layout/hierarchy1"/>
-    <dgm:cxn modelId="{8B7C0CFC-E7CB-45C9-842B-31723C629442}" type="presOf" srcId="{F57D472A-4C20-4CF8-B1DD-117F5F0B8825}" destId="{C27CD5F5-BC6D-4E24-9804-F1917EF3F099}" srcOrd="0" destOrd="0" presId="urn:microsoft.com/office/officeart/2005/8/layout/hierarchy1"/>
-    <dgm:cxn modelId="{97E14E70-FE31-4100-B00F-B0758B4D92B3}" type="presOf" srcId="{C6A3E94F-D865-464D-A57B-8658F8CB57F8}" destId="{88F22BAD-B4DF-4CAF-AED7-C0421763551F}" srcOrd="0" destOrd="0" presId="urn:microsoft.com/office/officeart/2005/8/layout/hierarchy1"/>
     <dgm:cxn modelId="{A9C982F6-A3A5-4B96-86A0-5197B0562D60}" type="presOf" srcId="{E0A7B6F5-9353-41E3-91BF-E2C824AC4AFD}" destId="{B00E38CC-CC6F-4943-A67C-3B0F7595C1AF}" srcOrd="0" destOrd="0" presId="urn:microsoft.com/office/officeart/2005/8/layout/hierarchy1"/>
-    <dgm:cxn modelId="{7A98E626-3DFA-43B3-9403-0DC471D3E7E5}" type="presOf" srcId="{78A2BECA-AD24-4727-BAB2-4C2ACFF283AA}" destId="{36C9122C-66DC-4335-9DD9-024DCFC2A41D}" srcOrd="0" destOrd="0" presId="urn:microsoft.com/office/officeart/2005/8/layout/hierarchy1"/>
-    <dgm:cxn modelId="{2A914608-0901-468C-AFA3-95A9B49CA59D}" srcId="{C6BC4FCA-E825-49E0-BED0-C74E595E3223}" destId="{2C06B8FD-FC79-4774-B59D-308B3B6E7AEE}" srcOrd="0" destOrd="0" parTransId="{C6A3E94F-D865-464D-A57B-8658F8CB57F8}" sibTransId="{090306A3-D1EB-4868-A35C-586F594FA360}"/>
     <dgm:cxn modelId="{AF1D86E6-9F3F-448C-BA82-70A97AB40C1C}" type="presParOf" srcId="{36C9122C-66DC-4335-9DD9-024DCFC2A41D}" destId="{C0605AA9-29EC-413A-8724-9697541924C5}" srcOrd="0" destOrd="0" presId="urn:microsoft.com/office/officeart/2005/8/layout/hierarchy1"/>
     <dgm:cxn modelId="{A155BCC6-2867-447A-AE81-F429A764E3DC}" type="presParOf" srcId="{C0605AA9-29EC-413A-8724-9697541924C5}" destId="{5E00D948-AF53-4E14-9A57-688B5ED55B2A}" srcOrd="0" destOrd="0" presId="urn:microsoft.com/office/officeart/2005/8/layout/hierarchy1"/>
     <dgm:cxn modelId="{1681F66C-EC15-4280-8D9B-6056AB4A7667}" type="presParOf" srcId="{5E00D948-AF53-4E14-9A57-688B5ED55B2A}" destId="{E9052449-B128-4A6C-A0BC-86A46F3792D1}" srcOrd="0" destOrd="0" presId="urn:microsoft.com/office/officeart/2005/8/layout/hierarchy1"/>
@@ -8329,7 +8329,7 @@
           <a:p>
             <a:fld id="{093636E4-8C17-4485-99B8-068BEDD7B7BE}" type="datetimeFigureOut">
               <a:rPr lang="ko-KR" altLang="en-US" smtClean="0"/>
-              <a:t>2021-07-21</a:t>
+              <a:t>2023-06-30</a:t>
             </a:fld>
             <a:endParaRPr lang="ko-KR" altLang="en-US"/>
           </a:p>
@@ -8947,7 +8947,7 @@
             <a:fld id="{1879488F-3623-45BC-9557-A09A3AFFDD11}" type="datetimeFigureOut">
               <a:rPr lang="ko-KR" altLang="en-US" smtClean="0"/>
               <a:pPr/>
-              <a:t>2021-07-21</a:t>
+              <a:t>2023-06-30</a:t>
             </a:fld>
             <a:endParaRPr lang="ko-KR" altLang="en-US"/>
           </a:p>
@@ -9114,7 +9114,7 @@
             <a:fld id="{1879488F-3623-45BC-9557-A09A3AFFDD11}" type="datetimeFigureOut">
               <a:rPr lang="ko-KR" altLang="en-US" smtClean="0"/>
               <a:pPr/>
-              <a:t>2021-07-21</a:t>
+              <a:t>2023-06-30</a:t>
             </a:fld>
             <a:endParaRPr lang="ko-KR" altLang="en-US"/>
           </a:p>
@@ -9291,7 +9291,7 @@
             <a:fld id="{1879488F-3623-45BC-9557-A09A3AFFDD11}" type="datetimeFigureOut">
               <a:rPr lang="ko-KR" altLang="en-US" smtClean="0"/>
               <a:pPr/>
-              <a:t>2021-07-21</a:t>
+              <a:t>2023-06-30</a:t>
             </a:fld>
             <a:endParaRPr lang="ko-KR" altLang="en-US"/>
           </a:p>
@@ -9458,7 +9458,7 @@
             <a:fld id="{1879488F-3623-45BC-9557-A09A3AFFDD11}" type="datetimeFigureOut">
               <a:rPr lang="ko-KR" altLang="en-US" smtClean="0"/>
               <a:pPr/>
-              <a:t>2021-07-21</a:t>
+              <a:t>2023-06-30</a:t>
             </a:fld>
             <a:endParaRPr lang="ko-KR" altLang="en-US"/>
           </a:p>
@@ -9701,7 +9701,7 @@
             <a:fld id="{1879488F-3623-45BC-9557-A09A3AFFDD11}" type="datetimeFigureOut">
               <a:rPr lang="ko-KR" altLang="en-US" smtClean="0"/>
               <a:pPr/>
-              <a:t>2021-07-21</a:t>
+              <a:t>2023-06-30</a:t>
             </a:fld>
             <a:endParaRPr lang="ko-KR" altLang="en-US"/>
           </a:p>
@@ -9986,7 +9986,7 @@
             <a:fld id="{1879488F-3623-45BC-9557-A09A3AFFDD11}" type="datetimeFigureOut">
               <a:rPr lang="ko-KR" altLang="en-US" smtClean="0"/>
               <a:pPr/>
-              <a:t>2021-07-21</a:t>
+              <a:t>2023-06-30</a:t>
             </a:fld>
             <a:endParaRPr lang="ko-KR" altLang="en-US"/>
           </a:p>
@@ -10405,7 +10405,7 @@
             <a:fld id="{1879488F-3623-45BC-9557-A09A3AFFDD11}" type="datetimeFigureOut">
               <a:rPr lang="ko-KR" altLang="en-US" smtClean="0"/>
               <a:pPr/>
-              <a:t>2021-07-21</a:t>
+              <a:t>2023-06-30</a:t>
             </a:fld>
             <a:endParaRPr lang="ko-KR" altLang="en-US"/>
           </a:p>
@@ -10520,7 +10520,7 @@
             <a:fld id="{1879488F-3623-45BC-9557-A09A3AFFDD11}" type="datetimeFigureOut">
               <a:rPr lang="ko-KR" altLang="en-US" smtClean="0"/>
               <a:pPr/>
-              <a:t>2021-07-21</a:t>
+              <a:t>2023-06-30</a:t>
             </a:fld>
             <a:endParaRPr lang="ko-KR" altLang="en-US"/>
           </a:p>
@@ -10612,7 +10612,7 @@
             <a:fld id="{1879488F-3623-45BC-9557-A09A3AFFDD11}" type="datetimeFigureOut">
               <a:rPr lang="ko-KR" altLang="en-US" smtClean="0"/>
               <a:pPr/>
-              <a:t>2021-07-21</a:t>
+              <a:t>2023-06-30</a:t>
             </a:fld>
             <a:endParaRPr lang="ko-KR" altLang="en-US"/>
           </a:p>
@@ -10886,7 +10886,7 @@
             <a:fld id="{1879488F-3623-45BC-9557-A09A3AFFDD11}" type="datetimeFigureOut">
               <a:rPr lang="ko-KR" altLang="en-US" smtClean="0"/>
               <a:pPr/>
-              <a:t>2021-07-21</a:t>
+              <a:t>2023-06-30</a:t>
             </a:fld>
             <a:endParaRPr lang="ko-KR" altLang="en-US"/>
           </a:p>
@@ -11136,7 +11136,7 @@
             <a:fld id="{1879488F-3623-45BC-9557-A09A3AFFDD11}" type="datetimeFigureOut">
               <a:rPr lang="ko-KR" altLang="en-US" smtClean="0"/>
               <a:pPr/>
-              <a:t>2021-07-21</a:t>
+              <a:t>2023-06-30</a:t>
             </a:fld>
             <a:endParaRPr lang="ko-KR" altLang="en-US"/>
           </a:p>
@@ -11346,7 +11346,7 @@
             <a:fld id="{1879488F-3623-45BC-9557-A09A3AFFDD11}" type="datetimeFigureOut">
               <a:rPr lang="ko-KR" altLang="en-US" smtClean="0"/>
               <a:pPr/>
-              <a:t>2021-07-21</a:t>
+              <a:t>2023-06-30</a:t>
             </a:fld>
             <a:endParaRPr lang="ko-KR" altLang="en-US"/>
           </a:p>
@@ -14188,11 +14188,7 @@
             </a:r>
             <a:r>
               <a:rPr lang="ko-KR" altLang="en-US" sz="2000" dirty="0" smtClean="0"/>
-              <a:t>공간 형식을 </a:t>
-            </a:r>
-            <a:r>
-              <a:rPr lang="ko-KR" altLang="en-US" sz="2000" dirty="0" smtClean="0"/>
-              <a:t>지정</a:t>
+              <a:t>공간 형식을 지정</a:t>
             </a:r>
             <a:r>
               <a:rPr lang="en-US" altLang="ko-KR" sz="2000" dirty="0" smtClean="0"/>
@@ -14204,11 +14200,7 @@
             </a:r>
             <a:r>
               <a:rPr lang="en-US" altLang="ko-KR" sz="2000" dirty="0" smtClean="0"/>
-              <a:t>border-collap</a:t>
-            </a:r>
-            <a:r>
-              <a:rPr lang="en-US" altLang="ko-KR" sz="2000" dirty="0" smtClean="0"/>
-              <a:t>se: collapse </a:t>
+              <a:t>border-collapse: collapse </a:t>
             </a:r>
             <a:r>
               <a:rPr lang="ko-KR" altLang="en-US" sz="2000" dirty="0" smtClean="0"/>
@@ -14269,11 +14261,7 @@
             </a:r>
             <a:r>
               <a:rPr lang="ko-KR" altLang="en-US" sz="2000" dirty="0" smtClean="0"/>
-              <a:t> 등을 이용하여 다양하게 </a:t>
-            </a:r>
-            <a:r>
-              <a:rPr lang="ko-KR" altLang="en-US" sz="2000" dirty="0" smtClean="0"/>
-              <a:t>실험</a:t>
+              <a:t> 등을 이용하여 다양하게 실험</a:t>
             </a:r>
             <a:endParaRPr lang="en-US" altLang="ko-KR" sz="2000" dirty="0" smtClean="0"/>
           </a:p>
@@ -16929,7 +16917,7 @@
         <p:spPr/>
         <p:txBody>
           <a:bodyPr>
-            <a:normAutofit fontScale="90000"/>
+            <a:normAutofit/>
           </a:bodyPr>
           <a:lstStyle/>
           <a:p>
@@ -16939,39 +16927,7 @@
             </a:r>
             <a:r>
               <a:rPr lang="ko-KR" altLang="en-US" dirty="0" smtClean="0"/>
-              <a:t>후손</a:t>
-            </a:r>
-            <a:r>
-              <a:rPr lang="en-US" altLang="ko-KR" dirty="0" smtClean="0"/>
-              <a:t>(</a:t>
-            </a:r>
-            <a:r>
-              <a:rPr lang="ko-KR" altLang="en-US" dirty="0" smtClean="0"/>
-              <a:t>자손</a:t>
-            </a:r>
-            <a:r>
-              <a:rPr lang="en-US" altLang="ko-KR" dirty="0" smtClean="0"/>
-              <a:t>)</a:t>
-            </a:r>
-            <a:r>
-              <a:rPr lang="ko-KR" altLang="en-US" dirty="0" smtClean="0"/>
-              <a:t>과 자손</a:t>
-            </a:r>
-            <a:r>
-              <a:rPr lang="en-US" altLang="ko-KR" dirty="0" smtClean="0"/>
-              <a:t>(</a:t>
-            </a:r>
-            <a:r>
-              <a:rPr lang="ko-KR" altLang="en-US" dirty="0" smtClean="0"/>
-              <a:t>자식</a:t>
-            </a:r>
-            <a:r>
-              <a:rPr lang="en-US" altLang="ko-KR" dirty="0" smtClean="0"/>
-              <a:t>)</a:t>
-            </a:r>
-            <a:r>
-              <a:rPr lang="ko-KR" altLang="en-US" dirty="0" smtClean="0"/>
-              <a:t> </a:t>
+              <a:t>자손과 자식 </a:t>
             </a:r>
             <a:r>
               <a:rPr lang="ko-KR" altLang="en-US" dirty="0" err="1" smtClean="0"/>
@@ -17081,7 +17037,7 @@
         <p:spPr>
           <a:xfrm>
             <a:off x="7358082" y="3714752"/>
-            <a:ext cx="714380" cy="646331"/>
+            <a:ext cx="714380" cy="369332"/>
           </a:xfrm>
           <a:prstGeom prst="rect">
             <a:avLst/>
@@ -17096,19 +17052,7 @@
           <a:p>
             <a:r>
               <a:rPr lang="ko-KR" altLang="en-US" dirty="0" smtClean="0"/>
-              <a:t>후손</a:t>
-            </a:r>
-            <a:r>
-              <a:rPr lang="en-US" altLang="ko-KR" dirty="0" smtClean="0"/>
-              <a:t>(</a:t>
-            </a:r>
-            <a:r>
-              <a:rPr lang="ko-KR" altLang="en-US" dirty="0" smtClean="0"/>
               <a:t>자손</a:t>
-            </a:r>
-            <a:r>
-              <a:rPr lang="en-US" altLang="ko-KR" dirty="0" smtClean="0"/>
-              <a:t>)</a:t>
             </a:r>
             <a:endParaRPr lang="ko-KR" altLang="en-US" dirty="0"/>
           </a:p>
@@ -17123,7 +17067,7 @@
         <p:spPr>
           <a:xfrm>
             <a:off x="5857884" y="3714752"/>
-            <a:ext cx="785818" cy="646331"/>
+            <a:ext cx="785818" cy="369332"/>
           </a:xfrm>
           <a:prstGeom prst="rect">
             <a:avLst/>
@@ -17138,22 +17082,7 @@
           <a:p>
             <a:r>
               <a:rPr lang="ko-KR" altLang="en-US" dirty="0" smtClean="0"/>
-              <a:t>자손</a:t>
-            </a:r>
-            <a:endParaRPr lang="en-US" altLang="ko-KR" dirty="0" smtClean="0"/>
-          </a:p>
-          <a:p>
-            <a:r>
-              <a:rPr lang="en-US" altLang="ko-KR" dirty="0" smtClean="0"/>
-              <a:t>(</a:t>
-            </a:r>
-            <a:r>
-              <a:rPr lang="ko-KR" altLang="en-US" dirty="0" smtClean="0"/>
               <a:t>자식</a:t>
-            </a:r>
-            <a:r>
-              <a:rPr lang="en-US" altLang="ko-KR" dirty="0" smtClean="0"/>
-              <a:t>)</a:t>
             </a:r>
             <a:endParaRPr lang="ko-KR" altLang="en-US" dirty="0"/>
           </a:p>
@@ -17166,13 +17095,13 @@
           <p:nvPr>
             <p:extLst>
               <p:ext uri="{D42A27DB-BD31-4B8C-83A1-F6EECF244321}">
-                <p14:modId xmlns:p14="http://schemas.microsoft.com/office/powerpoint/2010/main" val="2692315713"/>
+                <p14:modId xmlns:p14="http://schemas.microsoft.com/office/powerpoint/2010/main" val="189543962"/>
               </p:ext>
             </p:extLst>
           </p:nvPr>
         </p:nvGraphicFramePr>
         <p:xfrm>
-          <a:off x="1375234" y="2285218"/>
+          <a:off x="1388023" y="2285218"/>
           <a:ext cx="6096000" cy="4064000"/>
         </p:xfrm>
         <a:graphic>
@@ -17224,7 +17153,7 @@
         <p:spPr/>
         <p:txBody>
           <a:bodyPr>
-            <a:normAutofit fontScale="90000"/>
+            <a:normAutofit/>
           </a:bodyPr>
           <a:lstStyle/>
           <a:p>
@@ -17233,40 +17162,8 @@
               <a:t>4. </a:t>
             </a:r>
             <a:r>
-              <a:rPr lang="ko-KR" altLang="en-US" dirty="0"/>
-              <a:t>후손</a:t>
-            </a:r>
-            <a:r>
-              <a:rPr lang="en-US" altLang="ko-KR" dirty="0"/>
-              <a:t>(</a:t>
-            </a:r>
-            <a:r>
-              <a:rPr lang="ko-KR" altLang="en-US" dirty="0"/>
-              <a:t>자손</a:t>
-            </a:r>
-            <a:r>
-              <a:rPr lang="en-US" altLang="ko-KR" dirty="0"/>
-              <a:t>)</a:t>
-            </a:r>
-            <a:r>
-              <a:rPr lang="ko-KR" altLang="en-US" dirty="0"/>
-              <a:t>과 자손</a:t>
-            </a:r>
-            <a:r>
-              <a:rPr lang="en-US" altLang="ko-KR" dirty="0"/>
-              <a:t>(</a:t>
-            </a:r>
-            <a:r>
-              <a:rPr lang="ko-KR" altLang="en-US" dirty="0"/>
-              <a:t>자식</a:t>
-            </a:r>
-            <a:r>
-              <a:rPr lang="en-US" altLang="ko-KR" dirty="0"/>
-              <a:t>)</a:t>
-            </a:r>
-            <a:r>
-              <a:rPr lang="ko-KR" altLang="en-US" dirty="0"/>
-              <a:t> </a:t>
+              <a:rPr lang="ko-KR" altLang="en-US" dirty="0" smtClean="0"/>
+              <a:t>자손과 자식 </a:t>
             </a:r>
             <a:r>
               <a:rPr lang="ko-KR" altLang="en-US" dirty="0" err="1" smtClean="0"/>
@@ -17295,7 +17192,7 @@
           <a:p>
             <a:r>
               <a:rPr lang="ko-KR" altLang="en-US" dirty="0" smtClean="0"/>
-              <a:t>후손 </a:t>
+              <a:t>자손 </a:t>
             </a:r>
             <a:r>
               <a:rPr lang="ko-KR" altLang="en-US" dirty="0" err="1" smtClean="0"/>
@@ -17347,7 +17244,11 @@
           <a:p>
             <a:r>
               <a:rPr lang="ko-KR" altLang="en-US" dirty="0" smtClean="0"/>
-              <a:t>자손 </a:t>
+              <a:t>자식</a:t>
+            </a:r>
+            <a:r>
+              <a:rPr lang="ko-KR" altLang="en-US" dirty="0" smtClean="0"/>
+              <a:t> </a:t>
             </a:r>
             <a:r>
               <a:rPr lang="ko-KR" altLang="en-US" dirty="0" err="1" smtClean="0"/>
